--- a/homeworks/hw2/ml-2023fall-hw2-slide.pptx
+++ b/homeworks/hw2/ml-2023fall-hw2-slide.pptx
@@ -50,13 +50,16 @@
     <p:embeddedFont>
       <p:font typeface="Source Code Pro" panose="020B0509030403020204" pitchFamily="49" charset="0"/>
       <p:regular r:id="rId29"/>
+      <p:bold r:id="rId30"/>
+      <p:italic r:id="rId31"/>
+      <p:boldItalic r:id="rId32"/>
     </p:embeddedFont>
     <p:embeddedFont>
       <p:font typeface="Ubuntu" panose="020B0504030602030204" pitchFamily="34" charset="0"/>
-      <p:regular r:id="rId30"/>
-      <p:bold r:id="rId31"/>
-      <p:italic r:id="rId32"/>
-      <p:boldItalic r:id="rId33"/>
+      <p:regular r:id="rId33"/>
+      <p:bold r:id="rId34"/>
+      <p:italic r:id="rId35"/>
+      <p:boldItalic r:id="rId36"/>
     </p:embeddedFont>
   </p:embeddedFontLst>
   <p:defaultTextStyle>
@@ -304,7 +307,7 @@
       </p15:sldGuideLst>
     </p:ext>
     <p:ext uri="GoogleSlidesCustomDataVersion2">
-      <go:slidesCustomData xmlns:go="http://customooxmlschemas.google.com/" xmlns:ahyp="http://schemas.microsoft.com/office/drawing/2018/hyperlinkcolor" xmlns:p15="http://schemas.microsoft.com/office/powerpoint/2012/main" xmlns:p14="http://schemas.microsoft.com/office/powerpoint/2010/main" xmlns:com="http://schemas.openxmlformats.org/drawingml/2006/compatibility" xmlns:pvml="urn:schemas-microsoft-com:office:powerpoint" xmlns:v="urn:schemas-microsoft-com:vml" xmlns:o="urn:schemas-microsoft-com:office:office" xmlns:dgm="http://schemas.openxmlformats.org/drawingml/2006/diagram" xmlns:c="http://schemas.openxmlformats.org/drawingml/2006/chart" xmlns:mv="urn:schemas-microsoft-com:mac:vml" xmlns:mc="http://schemas.openxmlformats.org/markup-compatibility/2006" xmlns="" r:id="rId34" roundtripDataSignature="AMtx7mhS5Srgp2wRfoB1Prd+9Fc3igJPRA=="/>
+      <go:slidesCustomData xmlns="" xmlns:mc="http://schemas.openxmlformats.org/markup-compatibility/2006" xmlns:mv="urn:schemas-microsoft-com:mac:vml" xmlns:c="http://schemas.openxmlformats.org/drawingml/2006/chart" xmlns:dgm="http://schemas.openxmlformats.org/drawingml/2006/diagram" xmlns:o="urn:schemas-microsoft-com:office:office" xmlns:v="urn:schemas-microsoft-com:vml" xmlns:pvml="urn:schemas-microsoft-com:office:powerpoint" xmlns:com="http://schemas.openxmlformats.org/drawingml/2006/compatibility" xmlns:p14="http://schemas.microsoft.com/office/powerpoint/2010/main" xmlns:p15="http://schemas.microsoft.com/office/powerpoint/2012/main" xmlns:ahyp="http://schemas.microsoft.com/office/drawing/2018/hyperlinkcolor" xmlns:go="http://customooxmlschemas.google.com/" r:id="rId37" roundtripDataSignature="AMtx7mhS5Srgp2wRfoB1Prd+9Fc3igJPRA=="/>
     </p:ext>
   </p:extLst>
 </p:presentation>
@@ -17343,7 +17346,7 @@
               <a:buChar char="●"/>
             </a:pPr>
             <a:r>
-              <a:rPr lang="zh-TW" sz="1400">
+              <a:rPr lang="zh-TW" sz="1400" dirty="0">
                 <a:solidFill>
                   <a:srgbClr val="695D46"/>
                 </a:solidFill>
@@ -17351,14 +17354,14 @@
               <a:t>Programming Report - </a:t>
             </a:r>
             <a:r>
-              <a:rPr lang="zh-TW" sz="1400">
+              <a:rPr lang="zh-TW" sz="1400" dirty="0">
                 <a:solidFill>
                   <a:srgbClr val="FF0000"/>
                 </a:solidFill>
               </a:rPr>
               <a:t>4%</a:t>
             </a:r>
-            <a:endParaRPr sz="1400">
+            <a:endParaRPr sz="1400" dirty="0">
               <a:solidFill>
                 <a:srgbClr val="FF0000"/>
               </a:solidFill>
@@ -17382,7 +17385,7 @@
               <a:buChar char="○"/>
             </a:pPr>
             <a:r>
-              <a:rPr lang="zh-TW" sz="1200" u="sng">
+              <a:rPr lang="zh-TW" sz="1200" u="sng" dirty="0">
                 <a:solidFill>
                   <a:schemeClr val="hlink"/>
                 </a:solidFill>
@@ -17394,7 +17397,7 @@
               </a:rPr>
               <a:t>https://docs.google.com/document/d/17-_3_qAvuQMhCGIKns_apA8IOlktasso/edit?usp=sharing&amp;ouid=112465961449455869485&amp;rtpof=true&amp;sd=true</a:t>
             </a:r>
-            <a:endParaRPr sz="1200">
+            <a:endParaRPr sz="1200" dirty="0">
               <a:solidFill>
                 <a:srgbClr val="695D46"/>
               </a:solidFill>
@@ -17422,7 +17425,7 @@
               <a:buChar char="●"/>
             </a:pPr>
             <a:r>
-              <a:rPr lang="zh-TW" sz="1400">
+              <a:rPr lang="zh-TW" sz="1400" dirty="0">
                 <a:solidFill>
                   <a:srgbClr val="695D46"/>
                 </a:solidFill>
@@ -17430,14 +17433,14 @@
               <a:t>Math Problem - </a:t>
             </a:r>
             <a:r>
-              <a:rPr lang="zh-TW" sz="1400">
+              <a:rPr lang="zh-TW" sz="1400" dirty="0">
                 <a:solidFill>
                   <a:srgbClr val="FF0000"/>
                 </a:solidFill>
               </a:rPr>
               <a:t>6%</a:t>
             </a:r>
-            <a:endParaRPr sz="1400">
+            <a:endParaRPr sz="1400" dirty="0">
               <a:solidFill>
                 <a:srgbClr val="FF0000"/>
               </a:solidFill>
@@ -17461,15 +17464,33 @@
               <a:buChar char="○"/>
             </a:pPr>
             <a:r>
-              <a:rPr lang="zh-TW" sz="1200" u="sng">
+              <a:rPr lang="zh-TW" sz="1200" u="sng" dirty="0">
                 <a:solidFill>
                   <a:schemeClr val="hlink"/>
                 </a:solidFill>
                 <a:hlinkClick r:id="rId4"/>
               </a:rPr>
-              <a:t>https://ntueemlta2023.github.io/homeworks/hw1/ml-2023fall-hw2-math.pdf</a:t>
+              <a:t>https://ntueemlta2023.github.io/homeworks/hw</a:t>
             </a:r>
-            <a:endParaRPr>
+            <a:r>
+              <a:rPr lang="en-US" altLang="zh-TW" sz="1200" u="sng" dirty="0">
+                <a:solidFill>
+                  <a:schemeClr val="hlink"/>
+                </a:solidFill>
+                <a:hlinkClick r:id="rId4"/>
+              </a:rPr>
+              <a:t>2</a:t>
+            </a:r>
+            <a:r>
+              <a:rPr lang="zh-TW" sz="1200" u="sng" dirty="0">
+                <a:solidFill>
+                  <a:schemeClr val="hlink"/>
+                </a:solidFill>
+                <a:hlinkClick r:id="rId4"/>
+              </a:rPr>
+              <a:t>/ml-2023fall-hw2-math.pdf</a:t>
+            </a:r>
+            <a:endParaRPr dirty="0">
               <a:solidFill>
                 <a:srgbClr val="FF0000"/>
               </a:solidFill>
@@ -17493,14 +17514,14 @@
               <a:buChar char="○"/>
             </a:pPr>
             <a:r>
-              <a:rPr lang="zh-TW">
+              <a:rPr lang="zh-TW" dirty="0">
                 <a:solidFill>
                   <a:srgbClr val="000000"/>
                 </a:solidFill>
               </a:rPr>
               <a:t>Type in latex(preferable) or take pictures of your handwriting</a:t>
             </a:r>
-            <a:endParaRPr>
+            <a:endParaRPr dirty="0">
               <a:solidFill>
                 <a:srgbClr val="000000"/>
               </a:solidFill>
@@ -17524,14 +17545,14 @@
               <a:buChar char="●"/>
             </a:pPr>
             <a:r>
-              <a:rPr lang="zh-TW" sz="1400">
+              <a:rPr lang="zh-TW" sz="1400" dirty="0">
                 <a:solidFill>
                   <a:srgbClr val="424242"/>
                 </a:solidFill>
               </a:rPr>
               <a:t>Write them in report.pdf</a:t>
             </a:r>
-            <a:endParaRPr sz="1400">
+            <a:endParaRPr sz="1400" dirty="0">
               <a:solidFill>
                 <a:srgbClr val="424242"/>
               </a:solidFill>
@@ -17551,7 +17572,7 @@
               <a:buSzPts val="1800"/>
               <a:buNone/>
             </a:pPr>
-            <a:endParaRPr>
+            <a:endParaRPr dirty="0">
               <a:solidFill>
                 <a:srgbClr val="695D46"/>
               </a:solidFill>
@@ -17571,7 +17592,7 @@
               <a:buSzPts val="1800"/>
               <a:buNone/>
             </a:pPr>
-            <a:endParaRPr/>
+            <a:endParaRPr dirty="0"/>
           </a:p>
         </p:txBody>
       </p:sp>
